--- a/Popularidad de Shows.pptx
+++ b/Popularidad de Shows.pptx
@@ -526,7 +526,7 @@
           <a:p>
             <a:fld id="{6DD02704-78D7-41E1-82E7-4F41F32BAE17}" type="datetimeFigureOut">
               <a:rPr lang="es-CL" smtClean="0"/>
-              <a:t>30-10-2024</a:t>
+              <a:t>02-11-2024</a:t>
             </a:fld>
             <a:endParaRPr lang="es-CL"/>
           </a:p>
@@ -705,7 +705,7 @@
           <a:p>
             <a:fld id="{6DD02704-78D7-41E1-82E7-4F41F32BAE17}" type="datetimeFigureOut">
               <a:rPr lang="es-CL" smtClean="0"/>
-              <a:t>30-10-2024</a:t>
+              <a:t>02-11-2024</a:t>
             </a:fld>
             <a:endParaRPr lang="es-CL"/>
           </a:p>
@@ -885,7 +885,7 @@
           <a:p>
             <a:fld id="{6DD02704-78D7-41E1-82E7-4F41F32BAE17}" type="datetimeFigureOut">
               <a:rPr lang="es-CL" smtClean="0"/>
-              <a:t>30-10-2024</a:t>
+              <a:t>02-11-2024</a:t>
             </a:fld>
             <a:endParaRPr lang="es-CL"/>
           </a:p>
@@ -1055,7 +1055,7 @@
           <a:p>
             <a:fld id="{6DD02704-78D7-41E1-82E7-4F41F32BAE17}" type="datetimeFigureOut">
               <a:rPr lang="es-CL" smtClean="0"/>
-              <a:t>30-10-2024</a:t>
+              <a:t>02-11-2024</a:t>
             </a:fld>
             <a:endParaRPr lang="es-CL"/>
           </a:p>
@@ -1368,7 +1368,7 @@
           <a:p>
             <a:fld id="{6DD02704-78D7-41E1-82E7-4F41F32BAE17}" type="datetimeFigureOut">
               <a:rPr lang="es-CL" smtClean="0"/>
-              <a:t>30-10-2024</a:t>
+              <a:t>02-11-2024</a:t>
             </a:fld>
             <a:endParaRPr lang="es-CL"/>
           </a:p>
@@ -1754,7 +1754,7 @@
           <a:p>
             <a:fld id="{6DD02704-78D7-41E1-82E7-4F41F32BAE17}" type="datetimeFigureOut">
               <a:rPr lang="es-CL" smtClean="0"/>
-              <a:t>30-10-2024</a:t>
+              <a:t>02-11-2024</a:t>
             </a:fld>
             <a:endParaRPr lang="es-CL"/>
           </a:p>
@@ -2188,7 +2188,7 @@
           <a:p>
             <a:fld id="{6DD02704-78D7-41E1-82E7-4F41F32BAE17}" type="datetimeFigureOut">
               <a:rPr lang="es-CL" smtClean="0"/>
-              <a:t>30-10-2024</a:t>
+              <a:t>02-11-2024</a:t>
             </a:fld>
             <a:endParaRPr lang="es-CL"/>
           </a:p>
@@ -2306,7 +2306,7 @@
           <a:p>
             <a:fld id="{6DD02704-78D7-41E1-82E7-4F41F32BAE17}" type="datetimeFigureOut">
               <a:rPr lang="es-CL" smtClean="0"/>
-              <a:t>30-10-2024</a:t>
+              <a:t>02-11-2024</a:t>
             </a:fld>
             <a:endParaRPr lang="es-CL"/>
           </a:p>
@@ -2401,7 +2401,7 @@
           <a:p>
             <a:fld id="{6DD02704-78D7-41E1-82E7-4F41F32BAE17}" type="datetimeFigureOut">
               <a:rPr lang="es-CL" smtClean="0"/>
-              <a:t>30-10-2024</a:t>
+              <a:t>02-11-2024</a:t>
             </a:fld>
             <a:endParaRPr lang="es-CL"/>
           </a:p>
@@ -2751,7 +2751,7 @@
           <a:p>
             <a:fld id="{6DD02704-78D7-41E1-82E7-4F41F32BAE17}" type="datetimeFigureOut">
               <a:rPr lang="es-CL" smtClean="0"/>
-              <a:t>30-10-2024</a:t>
+              <a:t>02-11-2024</a:t>
             </a:fld>
             <a:endParaRPr lang="es-CL"/>
           </a:p>
@@ -3176,7 +3176,7 @@
           <a:p>
             <a:fld id="{6DD02704-78D7-41E1-82E7-4F41F32BAE17}" type="datetimeFigureOut">
               <a:rPr lang="es-CL" smtClean="0"/>
-              <a:t>30-10-2024</a:t>
+              <a:t>02-11-2024</a:t>
             </a:fld>
             <a:endParaRPr lang="es-CL"/>
           </a:p>
@@ -3457,7 +3457,7 @@
           <a:p>
             <a:fld id="{6DD02704-78D7-41E1-82E7-4F41F32BAE17}" type="datetimeFigureOut">
               <a:rPr lang="es-CL" smtClean="0"/>
-              <a:t>30-10-2024</a:t>
+              <a:t>02-11-2024</a:t>
             </a:fld>
             <a:endParaRPr lang="es-CL"/>
           </a:p>
@@ -5771,7 +5771,15 @@
             <a:pPr lvl="1"/>
             <a:r>
               <a:rPr lang="es-MX" sz="1400" dirty="0"/>
-              <a:t>El inglés es un idioma importante a incluir ya sea en audio o subtitulo, al ser un idioma internacional.</a:t>
+              <a:t>El inglés es un idioma importante a </a:t>
+            </a:r>
+            <a:r>
+              <a:rPr lang="es-MX" sz="1400" dirty="0" err="1"/>
+              <a:t>inclui</a:t>
+            </a:r>
+            <a:r>
+              <a:rPr lang="es-MX" sz="1400" dirty="0"/>
+              <a:t>, al ser un idioma internacional.</a:t>
             </a:r>
           </a:p>
           <a:p>
@@ -5805,9 +5813,33 @@
           <a:p>
             <a:pPr lvl="1"/>
             <a:r>
-              <a:rPr lang="es-MX"/>
-              <a:t>a</a:t>
-            </a:r>
+              <a:rPr lang="es-MX" sz="1400" dirty="0"/>
+              <a:t>Existe una saturación de show por lo que es necesario una mayor planificación del tipo de show y periodo de estreno.</a:t>
+            </a:r>
+          </a:p>
+          <a:p>
+            <a:pPr lvl="1"/>
+            <a:r>
+              <a:rPr lang="es-CL" sz="1400" dirty="0"/>
+              <a:t>Definir cual medida será utilizada para verificar la popularidad de un show según el objetivo requerido.</a:t>
+            </a:r>
+          </a:p>
+          <a:p>
+            <a:pPr lvl="1"/>
+            <a:r>
+              <a:rPr lang="es-CL" sz="1400" dirty="0"/>
+              <a:t>Aprovechar géneros de nicho para diferenciarse del resto. </a:t>
+            </a:r>
+          </a:p>
+          <a:p>
+            <a:pPr lvl="1"/>
+            <a:r>
+              <a:rPr lang="es-CL" sz="1400" dirty="0"/>
+              <a:t>Incluir la opción de audio y/o subtitulo de ingles.</a:t>
+            </a:r>
+          </a:p>
+          <a:p>
+            <a:pPr lvl="1"/>
             <a:endParaRPr lang="es-CL" dirty="0"/>
           </a:p>
         </p:txBody>
